--- a/hercules2024_C_photon_transport.pptx
+++ b/hercules2024_C_photon_transport.pptx
@@ -246,7 +246,7 @@
             <a:fld id="{D680E798-53FF-4C51-A981-953463752515}" type="datetimeFigureOut">
               <a:rPr lang="fr-FR" smtClean="0"/>
               <a:pPr/>
-              <a:t>24/03/2023</a:t>
+              <a:t>20/03/2024</a:t>
             </a:fld>
             <a:endParaRPr lang="fr-FR"/>
           </a:p>
@@ -764,7 +764,7 @@
           <a:p>
             <a:r>
               <a:rPr lang="en-US" noProof="0" smtClean="0"/>
-              <a:t>OASYS-Photon transport | HERCULES2023</a:t>
+              <a:t>OASYS-Photon transport | HERCULES2024</a:t>
             </a:r>
             <a:endParaRPr lang="en-US" noProof="0" dirty="0"/>
           </a:p>
@@ -1094,7 +1094,7 @@
           <a:p>
             <a:r>
               <a:rPr lang="en-US" noProof="0" smtClean="0"/>
-              <a:t>OASYS-Photon transport | HERCULES2023</a:t>
+              <a:t>OASYS-Photon transport | HERCULES2024</a:t>
             </a:r>
             <a:endParaRPr lang="en-US" noProof="0"/>
           </a:p>
@@ -1283,7 +1283,7 @@
           <a:p>
             <a:r>
               <a:rPr lang="en-US" noProof="0" smtClean="0"/>
-              <a:t>OASYS-Photon transport | HERCULES2023</a:t>
+              <a:t>OASYS-Photon transport | HERCULES2024</a:t>
             </a:r>
             <a:endParaRPr lang="en-US" noProof="0"/>
           </a:p>
@@ -1404,7 +1404,7 @@
           <a:p>
             <a:r>
               <a:rPr lang="en-US" noProof="0" smtClean="0"/>
-              <a:t>OASYS-Photon transport | HERCULES2023</a:t>
+              <a:t>OASYS-Photon transport | HERCULES2024</a:t>
             </a:r>
             <a:endParaRPr lang="en-US" noProof="0"/>
           </a:p>
@@ -1638,7 +1638,7 @@
           <a:p>
             <a:r>
               <a:rPr lang="en-US" smtClean="0"/>
-              <a:t>OASYS-Photon transport | HERCULES2023</a:t>
+              <a:t>OASYS-Photon transport | HERCULES2024</a:t>
             </a:r>
             <a:endParaRPr lang="fr-FR" dirty="0"/>
           </a:p>
@@ -2134,7 +2134,7 @@
           <a:p>
             <a:r>
               <a:rPr lang="en-US" noProof="0" smtClean="0"/>
-              <a:t>OASYS-Photon transport | HERCULES2023</a:t>
+              <a:t>OASYS-Photon transport | HERCULES2024</a:t>
             </a:r>
             <a:endParaRPr lang="en-US" noProof="0"/>
           </a:p>
@@ -4705,7 +4705,7 @@
           <a:p>
             <a:r>
               <a:rPr lang="en-US" noProof="0" smtClean="0"/>
-              <a:t>OASYS-Photon transport | HERCULES2023</a:t>
+              <a:t>OASYS-Photon transport | HERCULES2024</a:t>
             </a:r>
             <a:endParaRPr lang="en-US" noProof="0" dirty="0"/>
           </a:p>
@@ -5005,7 +5005,7 @@
           <a:p>
             <a:r>
               <a:rPr lang="en-US" noProof="0" smtClean="0"/>
-              <a:t>OASYS-Photon transport | HERCULES2023</a:t>
+              <a:t>OASYS-Photon transport | HERCULES2024</a:t>
             </a:r>
             <a:endParaRPr lang="en-US" noProof="0" dirty="0"/>
           </a:p>
@@ -5219,7 +5219,7 @@
           <a:p>
             <a:r>
               <a:rPr lang="en-US" noProof="0" smtClean="0"/>
-              <a:t>OASYS-Photon transport | HERCULES2023</a:t>
+              <a:t>OASYS-Photon transport | HERCULES2024</a:t>
             </a:r>
             <a:endParaRPr lang="en-US" noProof="0" dirty="0"/>
           </a:p>
@@ -5343,7 +5343,7 @@
           <a:graphicData uri="http://schemas.openxmlformats.org/presentationml/2006/ole">
             <mc:AlternateContent xmlns:mc="http://schemas.openxmlformats.org/markup-compatibility/2006">
               <mc:Choice xmlns:v="urn:schemas-microsoft-com:vml" Requires="v">
-                <p:oleObj spid="_x0000_s1077" name="Equation" r:id="rId4" imgW="1332921" imgH="444307" progId="">
+                <p:oleObj spid="_x0000_s1080" name="Equation" r:id="rId4" imgW="1332921" imgH="444307" progId="">
                   <p:embed/>
                 </p:oleObj>
               </mc:Choice>
@@ -5450,7 +5450,7 @@
           <a:graphicData uri="http://schemas.openxmlformats.org/presentationml/2006/ole">
             <mc:AlternateContent xmlns:mc="http://schemas.openxmlformats.org/markup-compatibility/2006">
               <mc:Choice xmlns:v="urn:schemas-microsoft-com:vml" Requires="v">
-                <p:oleObj spid="_x0000_s1078" name="Equation" r:id="rId6" imgW="1574800" imgH="444500" progId="">
+                <p:oleObj spid="_x0000_s1081" name="Equation" r:id="rId6" imgW="1574800" imgH="444500" progId="">
                   <p:embed/>
                 </p:oleObj>
               </mc:Choice>
@@ -5557,7 +5557,7 @@
           <a:graphicData uri="http://schemas.openxmlformats.org/presentationml/2006/ole">
             <mc:AlternateContent xmlns:mc="http://schemas.openxmlformats.org/markup-compatibility/2006">
               <mc:Choice xmlns:v="urn:schemas-microsoft-com:vml" Requires="v">
-                <p:oleObj spid="_x0000_s1079" name="Equation" r:id="rId8" imgW="1244600" imgH="393700" progId="">
+                <p:oleObj spid="_x0000_s1082" name="Equation" r:id="rId8" imgW="1244600" imgH="393700" progId="">
                   <p:embed/>
                 </p:oleObj>
               </mc:Choice>
@@ -6032,31 +6032,15 @@
             </a:r>
             <a:r>
               <a:rPr lang="en-US" sz="1167" dirty="0" smtClean="0"/>
-              <a:t>27</a:t>
+              <a:t>22</a:t>
             </a:r>
             <a:r>
               <a:rPr lang="en-US" sz="1167" baseline="30000" dirty="0" smtClean="0"/>
-              <a:t>th</a:t>
+              <a:t>nd</a:t>
             </a:r>
             <a:r>
               <a:rPr lang="en-US" sz="1167" dirty="0" smtClean="0"/>
-              <a:t> </a:t>
-            </a:r>
-            <a:r>
-              <a:rPr lang="en-US" sz="1167" dirty="0"/>
-              <a:t>&amp; </a:t>
-            </a:r>
-            <a:r>
-              <a:rPr lang="en-US" sz="1167" dirty="0" smtClean="0"/>
-              <a:t>30</a:t>
-            </a:r>
-            <a:r>
-              <a:rPr lang="en-US" sz="1167" baseline="30000" dirty="0" smtClean="0"/>
-              <a:t>th</a:t>
-            </a:r>
-            <a:r>
-              <a:rPr lang="en-US" sz="1167" dirty="0" smtClean="0"/>
-              <a:t> 2023</a:t>
+              <a:t> 2024</a:t>
             </a:r>
             <a:endParaRPr lang="en-US" sz="1167" dirty="0"/>
           </a:p>
@@ -6142,8 +6126,8 @@
           <a:lstStyle/>
           <a:p>
             <a:r>
-              <a:rPr lang="en-GB" sz="833" smtClean="0"/>
-              <a:t>OASYS-Photon transport | HERCULES2023</a:t>
+              <a:rPr lang="en-GB" sz="833" dirty="0" smtClean="0"/>
+              <a:t>OASYS-Photon transport | HERCULES2024</a:t>
             </a:r>
             <a:endParaRPr lang="fr-FR" sz="833" dirty="0"/>
           </a:p>
@@ -6457,7 +6441,7 @@
           <a:p>
             <a:r>
               <a:rPr lang="en-US" noProof="0" smtClean="0"/>
-              <a:t>OASYS-Photon transport | HERCULES2023</a:t>
+              <a:t>OASYS-Photon transport | HERCULES2024</a:t>
             </a:r>
             <a:endParaRPr lang="en-US" noProof="0"/>
           </a:p>
@@ -6908,7 +6892,7 @@
           <a:p>
             <a:r>
               <a:rPr lang="en-US" noProof="0" smtClean="0"/>
-              <a:t>OASYS-Photon transport | HERCULES2023</a:t>
+              <a:t>OASYS-Photon transport | HERCULES2024</a:t>
             </a:r>
             <a:endParaRPr lang="en-US" noProof="0" dirty="0"/>
           </a:p>
@@ -7176,7 +7160,7 @@
           </a:ln>
           <a:extLst>
             <a:ext uri="{91240B29-F687-4f45-9708-019B960494DF}">
-              <a14:hiddenLine xmlns:a14="http://schemas.microsoft.com/office/drawing/2010/main" xmlns="" w="9525">
+              <a14:hiddenLine xmlns="" xmlns:a14="http://schemas.microsoft.com/office/drawing/2010/main" w="9525">
                 <a:solidFill>
                   <a:srgbClr val="000000"/>
                 </a:solidFill>
@@ -7250,7 +7234,7 @@
             </a:ln>
             <a:extLst>
               <a:ext uri="{909E8E84-426E-40dd-AFC4-6F175D3DCCD1}">
-                <a14:hiddenFill xmlns:a14="http://schemas.microsoft.com/office/drawing/2010/main" xmlns="">
+                <a14:hiddenFill xmlns="" xmlns:a14="http://schemas.microsoft.com/office/drawing/2010/main">
                   <a:noFill/>
                 </a14:hiddenFill>
               </a:ext>
@@ -7297,7 +7281,7 @@
             </a:ln>
             <a:extLst>
               <a:ext uri="{909E8E84-426E-40dd-AFC4-6F175D3DCCD1}">
-                <a14:hiddenFill xmlns:a14="http://schemas.microsoft.com/office/drawing/2010/main" xmlns="">
+                <a14:hiddenFill xmlns="" xmlns:a14="http://schemas.microsoft.com/office/drawing/2010/main">
                   <a:noFill/>
                 </a14:hiddenFill>
               </a:ext>
@@ -7344,7 +7328,7 @@
             </a:ln>
             <a:extLst>
               <a:ext uri="{909E8E84-426E-40dd-AFC4-6F175D3DCCD1}">
-                <a14:hiddenFill xmlns:a14="http://schemas.microsoft.com/office/drawing/2010/main" xmlns="">
+                <a14:hiddenFill xmlns="" xmlns:a14="http://schemas.microsoft.com/office/drawing/2010/main">
                   <a:noFill/>
                 </a14:hiddenFill>
               </a:ext>
@@ -7387,14 +7371,14 @@
           </a:ln>
           <a:extLst>
             <a:ext uri="{909E8E84-426E-40dd-AFC4-6F175D3DCCD1}">
-              <a14:hiddenFill xmlns:a14="http://schemas.microsoft.com/office/drawing/2010/main" xmlns="">
+              <a14:hiddenFill xmlns="" xmlns:a14="http://schemas.microsoft.com/office/drawing/2010/main">
                 <a:solidFill>
                   <a:srgbClr val="FFFFFF"/>
                 </a:solidFill>
               </a14:hiddenFill>
             </a:ext>
             <a:ext uri="{91240B29-F687-4f45-9708-019B960494DF}">
-              <a14:hiddenLine xmlns:a14="http://schemas.microsoft.com/office/drawing/2010/main" xmlns="" w="9525">
+              <a14:hiddenLine xmlns="" xmlns:a14="http://schemas.microsoft.com/office/drawing/2010/main" w="9525">
                 <a:solidFill>
                   <a:srgbClr val="000000"/>
                 </a:solidFill>
@@ -7874,7 +7858,7 @@
             </a:ln>
             <a:extLst>
               <a:ext uri="{909E8E84-426E-40dd-AFC4-6F175D3DCCD1}">
-                <a14:hiddenFill xmlns:a14="http://schemas.microsoft.com/office/drawing/2010/main" xmlns="">
+                <a14:hiddenFill xmlns="" xmlns:a14="http://schemas.microsoft.com/office/drawing/2010/main">
                   <a:noFill/>
                 </a14:hiddenFill>
               </a:ext>
@@ -7933,7 +7917,7 @@
             <a:graphicData uri="http://schemas.openxmlformats.org/presentationml/2006/ole">
               <mc:AlternateContent xmlns:mc="http://schemas.openxmlformats.org/markup-compatibility/2006">
                 <mc:Choice xmlns:v="urn:schemas-microsoft-com:vml" Requires="v">
-                  <p:oleObj spid="_x0000_s2064" name="Equation" r:id="rId4" imgW="152280" imgH="139680" progId="Equation.DSMT4">
+                  <p:oleObj spid="_x0000_s2066" name="Equation" r:id="rId4" imgW="152280" imgH="139680" progId="Equation.DSMT4">
                     <p:embed/>
                   </p:oleObj>
                 </mc:Choice>
@@ -7976,14 +7960,14 @@
                         <a:effectLst/>
                         <a:extLst>
                           <a:ext uri="{909E8E84-426E-40dd-AFC4-6F175D3DCCD1}">
-                            <a14:hiddenFill xmlns:a14="http://schemas.microsoft.com/office/drawing/2010/main" xmlns="">
+                            <a14:hiddenFill xmlns="" xmlns:a14="http://schemas.microsoft.com/office/drawing/2010/main">
                               <a:solidFill>
                                 <a:srgbClr val="FFFFFF"/>
                               </a:solidFill>
                             </a14:hiddenFill>
                           </a:ext>
                           <a:ext uri="{91240B29-F687-4f45-9708-019B960494DF}">
-                            <a14:hiddenLine xmlns:a14="http://schemas.microsoft.com/office/drawing/2010/main" xmlns="" w="9525">
+                            <a14:hiddenLine xmlns="" xmlns:a14="http://schemas.microsoft.com/office/drawing/2010/main" w="9525">
                               <a:solidFill>
                                 <a:srgbClr val="000000"/>
                               </a:solidFill>
@@ -7993,7 +7977,7 @@
                             </a14:hiddenLine>
                           </a:ext>
                           <a:ext uri="{AF507438-7753-43e0-B8FC-AC1667EBCBE1}">
-                            <a14:hiddenEffects xmlns:a14="http://schemas.microsoft.com/office/drawing/2010/main" xmlns="">
+                            <a14:hiddenEffects xmlns="" xmlns:a14="http://schemas.microsoft.com/office/drawing/2010/main">
                               <a:effectLst>
                                 <a:outerShdw dist="35921" dir="2700000" algn="ctr" rotWithShape="0">
                                   <a:srgbClr val="808080"/>
@@ -8216,7 +8200,7 @@
               </a:ln>
               <a:extLst>
                 <a:ext uri="{909E8E84-426E-40dd-AFC4-6F175D3DCCD1}">
-                  <a14:hiddenFill xmlns:a14="http://schemas.microsoft.com/office/drawing/2010/main" xmlns="">
+                  <a14:hiddenFill xmlns="" xmlns:a14="http://schemas.microsoft.com/office/drawing/2010/main">
                     <a:noFill/>
                   </a14:hiddenFill>
                 </a:ext>
@@ -8263,7 +8247,7 @@
               </a:ln>
               <a:extLst>
                 <a:ext uri="{909E8E84-426E-40dd-AFC4-6F175D3DCCD1}">
-                  <a14:hiddenFill xmlns:a14="http://schemas.microsoft.com/office/drawing/2010/main" xmlns="">
+                  <a14:hiddenFill xmlns="" xmlns:a14="http://schemas.microsoft.com/office/drawing/2010/main">
                     <a:noFill/>
                   </a14:hiddenFill>
                 </a:ext>
@@ -8310,7 +8294,7 @@
               </a:ln>
               <a:extLst>
                 <a:ext uri="{909E8E84-426E-40dd-AFC4-6F175D3DCCD1}">
-                  <a14:hiddenFill xmlns:a14="http://schemas.microsoft.com/office/drawing/2010/main" xmlns="">
+                  <a14:hiddenFill xmlns="" xmlns:a14="http://schemas.microsoft.com/office/drawing/2010/main">
                     <a:noFill/>
                   </a14:hiddenFill>
                 </a:ext>
@@ -8357,7 +8341,7 @@
               </a:ln>
               <a:extLst>
                 <a:ext uri="{909E8E84-426E-40dd-AFC4-6F175D3DCCD1}">
-                  <a14:hiddenFill xmlns:a14="http://schemas.microsoft.com/office/drawing/2010/main" xmlns="">
+                  <a14:hiddenFill xmlns="" xmlns:a14="http://schemas.microsoft.com/office/drawing/2010/main">
                     <a:noFill/>
                   </a14:hiddenFill>
                 </a:ext>
@@ -8404,7 +8388,7 @@
               </a:ln>
               <a:extLst>
                 <a:ext uri="{909E8E84-426E-40dd-AFC4-6F175D3DCCD1}">
-                  <a14:hiddenFill xmlns:a14="http://schemas.microsoft.com/office/drawing/2010/main" xmlns="">
+                  <a14:hiddenFill xmlns="" xmlns:a14="http://schemas.microsoft.com/office/drawing/2010/main">
                     <a:noFill/>
                   </a14:hiddenFill>
                 </a:ext>
@@ -8628,7 +8612,7 @@
             </a:ln>
             <a:extLst>
               <a:ext uri="{909E8E84-426E-40dd-AFC4-6F175D3DCCD1}">
-                <a14:hiddenFill xmlns:a14="http://schemas.microsoft.com/office/drawing/2010/main" xmlns="">
+                <a14:hiddenFill xmlns="" xmlns:a14="http://schemas.microsoft.com/office/drawing/2010/main">
                   <a:noFill/>
                 </a14:hiddenFill>
               </a:ext>
@@ -8670,14 +8654,14 @@
             </a:ln>
             <a:extLst>
               <a:ext uri="{909E8E84-426E-40dd-AFC4-6F175D3DCCD1}">
-                <a14:hiddenFill xmlns:a14="http://schemas.microsoft.com/office/drawing/2010/main" xmlns="">
+                <a14:hiddenFill xmlns="" xmlns:a14="http://schemas.microsoft.com/office/drawing/2010/main">
                   <a:solidFill>
                     <a:srgbClr val="FFFFFF"/>
                   </a:solidFill>
                 </a14:hiddenFill>
               </a:ext>
               <a:ext uri="{91240B29-F687-4f45-9708-019B960494DF}">
-                <a14:hiddenLine xmlns:a14="http://schemas.microsoft.com/office/drawing/2010/main" xmlns="" w="9525">
+                <a14:hiddenLine xmlns="" xmlns:a14="http://schemas.microsoft.com/office/drawing/2010/main" w="9525">
                   <a:solidFill>
                     <a:srgbClr val="000000"/>
                   </a:solidFill>
@@ -9074,7 +9058,7 @@
               </a:ln>
               <a:extLst>
                 <a:ext uri="{91240B29-F687-4f45-9708-019B960494DF}">
-                  <a14:hiddenLine xmlns:a14="http://schemas.microsoft.com/office/drawing/2010/main" xmlns="" w="9525">
+                  <a14:hiddenLine xmlns="" xmlns:a14="http://schemas.microsoft.com/office/drawing/2010/main" w="9525">
                     <a:solidFill>
                       <a:srgbClr val="000000"/>
                     </a:solidFill>
@@ -9126,7 +9110,7 @@
               </a:ln>
               <a:extLst>
                 <a:ext uri="{909E8E84-426E-40dd-AFC4-6F175D3DCCD1}">
-                  <a14:hiddenFill xmlns:a14="http://schemas.microsoft.com/office/drawing/2010/main" xmlns="">
+                  <a14:hiddenFill xmlns="" xmlns:a14="http://schemas.microsoft.com/office/drawing/2010/main">
                     <a:noFill/>
                   </a14:hiddenFill>
                 </a:ext>
@@ -9168,14 +9152,14 @@
               </a:ln>
               <a:extLst>
                 <a:ext uri="{909E8E84-426E-40dd-AFC4-6F175D3DCCD1}">
-                  <a14:hiddenFill xmlns:a14="http://schemas.microsoft.com/office/drawing/2010/main" xmlns="">
+                  <a14:hiddenFill xmlns="" xmlns:a14="http://schemas.microsoft.com/office/drawing/2010/main">
                     <a:solidFill>
                       <a:srgbClr val="FFFFFF"/>
                     </a:solidFill>
                   </a14:hiddenFill>
                 </a:ext>
                 <a:ext uri="{91240B29-F687-4f45-9708-019B960494DF}">
-                  <a14:hiddenLine xmlns:a14="http://schemas.microsoft.com/office/drawing/2010/main" xmlns="" w="9525">
+                  <a14:hiddenLine xmlns="" xmlns:a14="http://schemas.microsoft.com/office/drawing/2010/main" w="9525">
                     <a:solidFill>
                       <a:srgbClr val="000000"/>
                     </a:solidFill>
@@ -9345,14 +9329,14 @@
               </a:ln>
               <a:extLst>
                 <a:ext uri="{909E8E84-426E-40dd-AFC4-6F175D3DCCD1}">
-                  <a14:hiddenFill xmlns:a14="http://schemas.microsoft.com/office/drawing/2010/main" xmlns="">
+                  <a14:hiddenFill xmlns="" xmlns:a14="http://schemas.microsoft.com/office/drawing/2010/main">
                     <a:solidFill>
                       <a:srgbClr val="FFFFFF"/>
                     </a:solidFill>
                   </a14:hiddenFill>
                 </a:ext>
                 <a:ext uri="{91240B29-F687-4f45-9708-019B960494DF}">
-                  <a14:hiddenLine xmlns:a14="http://schemas.microsoft.com/office/drawing/2010/main" xmlns="" w="9525">
+                  <a14:hiddenLine xmlns="" xmlns:a14="http://schemas.microsoft.com/office/drawing/2010/main" w="9525">
                     <a:solidFill>
                       <a:srgbClr val="000000"/>
                     </a:solidFill>
@@ -9522,14 +9506,14 @@
               </a:ln>
               <a:extLst>
                 <a:ext uri="{909E8E84-426E-40dd-AFC4-6F175D3DCCD1}">
-                  <a14:hiddenFill xmlns:a14="http://schemas.microsoft.com/office/drawing/2010/main" xmlns="">
+                  <a14:hiddenFill xmlns="" xmlns:a14="http://schemas.microsoft.com/office/drawing/2010/main">
                     <a:solidFill>
                       <a:srgbClr val="FFFFFF"/>
                     </a:solidFill>
                   </a14:hiddenFill>
                 </a:ext>
                 <a:ext uri="{91240B29-F687-4f45-9708-019B960494DF}">
-                  <a14:hiddenLine xmlns:a14="http://schemas.microsoft.com/office/drawing/2010/main" xmlns="" w="9525">
+                  <a14:hiddenLine xmlns="" xmlns:a14="http://schemas.microsoft.com/office/drawing/2010/main" w="9525">
                     <a:solidFill>
                       <a:srgbClr val="000000"/>
                     </a:solidFill>
@@ -9727,7 +9711,7 @@
               </a:ln>
               <a:extLst>
                 <a:ext uri="{909E8E84-426E-40dd-AFC4-6F175D3DCCD1}">
-                  <a14:hiddenFill xmlns:a14="http://schemas.microsoft.com/office/drawing/2010/main" xmlns="">
+                  <a14:hiddenFill xmlns="" xmlns:a14="http://schemas.microsoft.com/office/drawing/2010/main">
                     <a:noFill/>
                   </a14:hiddenFill>
                 </a:ext>
@@ -9774,7 +9758,7 @@
               </a:ln>
               <a:extLst>
                 <a:ext uri="{909E8E84-426E-40dd-AFC4-6F175D3DCCD1}">
-                  <a14:hiddenFill xmlns:a14="http://schemas.microsoft.com/office/drawing/2010/main" xmlns="">
+                  <a14:hiddenFill xmlns="" xmlns:a14="http://schemas.microsoft.com/office/drawing/2010/main">
                     <a:noFill/>
                   </a14:hiddenFill>
                 </a:ext>
@@ -9821,7 +9805,7 @@
               </a:ln>
               <a:extLst>
                 <a:ext uri="{909E8E84-426E-40dd-AFC4-6F175D3DCCD1}">
-                  <a14:hiddenFill xmlns:a14="http://schemas.microsoft.com/office/drawing/2010/main" xmlns="">
+                  <a14:hiddenFill xmlns="" xmlns:a14="http://schemas.microsoft.com/office/drawing/2010/main">
                     <a:noFill/>
                   </a14:hiddenFill>
                 </a:ext>
@@ -9863,14 +9847,14 @@
               </a:ln>
               <a:extLst>
                 <a:ext uri="{909E8E84-426E-40dd-AFC4-6F175D3DCCD1}">
-                  <a14:hiddenFill xmlns:a14="http://schemas.microsoft.com/office/drawing/2010/main" xmlns="">
+                  <a14:hiddenFill xmlns="" xmlns:a14="http://schemas.microsoft.com/office/drawing/2010/main">
                     <a:solidFill>
                       <a:srgbClr val="FFFFFF"/>
                     </a:solidFill>
                   </a14:hiddenFill>
                 </a:ext>
                 <a:ext uri="{91240B29-F687-4f45-9708-019B960494DF}">
-                  <a14:hiddenLine xmlns:a14="http://schemas.microsoft.com/office/drawing/2010/main" xmlns="" w="9525">
+                  <a14:hiddenLine xmlns="" xmlns:a14="http://schemas.microsoft.com/office/drawing/2010/main" w="9525">
                     <a:solidFill>
                       <a:srgbClr val="000000"/>
                     </a:solidFill>
@@ -10047,7 +10031,7 @@
           </a:ln>
           <a:extLst>
             <a:ext uri="{909E8E84-426E-40dd-AFC4-6F175D3DCCD1}">
-              <a14:hiddenFill xmlns:a14="http://schemas.microsoft.com/office/drawing/2010/main" xmlns="">
+              <a14:hiddenFill xmlns="" xmlns:a14="http://schemas.microsoft.com/office/drawing/2010/main">
                 <a:noFill/>
               </a14:hiddenFill>
             </a:ext>
@@ -10089,14 +10073,14 @@
           </a:ln>
           <a:extLst>
             <a:ext uri="{909E8E84-426E-40dd-AFC4-6F175D3DCCD1}">
-              <a14:hiddenFill xmlns:a14="http://schemas.microsoft.com/office/drawing/2010/main" xmlns="">
+              <a14:hiddenFill xmlns="" xmlns:a14="http://schemas.microsoft.com/office/drawing/2010/main">
                 <a:solidFill>
                   <a:srgbClr val="FFFFFF"/>
                 </a:solidFill>
               </a14:hiddenFill>
             </a:ext>
             <a:ext uri="{91240B29-F687-4f45-9708-019B960494DF}">
-              <a14:hiddenLine xmlns:a14="http://schemas.microsoft.com/office/drawing/2010/main" xmlns="" w="9525">
+              <a14:hiddenLine xmlns="" xmlns:a14="http://schemas.microsoft.com/office/drawing/2010/main" w="9525">
                 <a:solidFill>
                   <a:srgbClr val="000000"/>
                 </a:solidFill>
@@ -10266,14 +10250,14 @@
           </a:ln>
           <a:extLst>
             <a:ext uri="{909E8E84-426E-40dd-AFC4-6F175D3DCCD1}">
-              <a14:hiddenFill xmlns:a14="http://schemas.microsoft.com/office/drawing/2010/main" xmlns="">
+              <a14:hiddenFill xmlns="" xmlns:a14="http://schemas.microsoft.com/office/drawing/2010/main">
                 <a:solidFill>
                   <a:srgbClr val="FFFFFF"/>
                 </a:solidFill>
               </a14:hiddenFill>
             </a:ext>
             <a:ext uri="{91240B29-F687-4f45-9708-019B960494DF}">
-              <a14:hiddenLine xmlns:a14="http://schemas.microsoft.com/office/drawing/2010/main" xmlns="" w="9525">
+              <a14:hiddenLine xmlns="" xmlns:a14="http://schemas.microsoft.com/office/drawing/2010/main" w="9525">
                 <a:solidFill>
                   <a:srgbClr val="000000"/>
                 </a:solidFill>
@@ -10526,7 +10510,7 @@
             </a:ln>
             <a:extLst>
               <a:ext uri="{909E8E84-426E-40dd-AFC4-6F175D3DCCD1}">
-                <a14:hiddenFill xmlns:a14="http://schemas.microsoft.com/office/drawing/2010/main" xmlns="">
+                <a14:hiddenFill xmlns="" xmlns:a14="http://schemas.microsoft.com/office/drawing/2010/main">
                   <a:solidFill>
                     <a:srgbClr val="FFFFFF"/>
                   </a:solidFill>
@@ -10564,7 +10548,7 @@
             <a:graphicData uri="http://schemas.openxmlformats.org/presentationml/2006/ole">
               <mc:AlternateContent xmlns:mc="http://schemas.openxmlformats.org/markup-compatibility/2006">
                 <mc:Choice xmlns:v="urn:schemas-microsoft-com:vml" Requires="v">
-                  <p:oleObj spid="_x0000_s2065" name="Equation" r:id="rId6" imgW="152280" imgH="228600" progId="Equation.DSMT4">
+                  <p:oleObj spid="_x0000_s2067" name="Equation" r:id="rId6" imgW="152280" imgH="228600" progId="Equation.DSMT4">
                     <p:embed/>
                   </p:oleObj>
                 </mc:Choice>
@@ -10607,14 +10591,14 @@
                         <a:effectLst/>
                         <a:extLst>
                           <a:ext uri="{909E8E84-426E-40dd-AFC4-6F175D3DCCD1}">
-                            <a14:hiddenFill xmlns:a14="http://schemas.microsoft.com/office/drawing/2010/main" xmlns="">
+                            <a14:hiddenFill xmlns="" xmlns:a14="http://schemas.microsoft.com/office/drawing/2010/main">
                               <a:solidFill>
                                 <a:srgbClr val="FFFFFF"/>
                               </a:solidFill>
                             </a14:hiddenFill>
                           </a:ext>
                           <a:ext uri="{91240B29-F687-4f45-9708-019B960494DF}">
-                            <a14:hiddenLine xmlns:a14="http://schemas.microsoft.com/office/drawing/2010/main" xmlns="" w="9525">
+                            <a14:hiddenLine xmlns="" xmlns:a14="http://schemas.microsoft.com/office/drawing/2010/main" w="9525">
                               <a:solidFill>
                                 <a:srgbClr val="000000"/>
                               </a:solidFill>
@@ -10624,7 +10608,7 @@
                             </a14:hiddenLine>
                           </a:ext>
                           <a:ext uri="{AF507438-7753-43e0-B8FC-AC1667EBCBE1}">
-                            <a14:hiddenEffects xmlns:a14="http://schemas.microsoft.com/office/drawing/2010/main" xmlns="">
+                            <a14:hiddenEffects xmlns="" xmlns:a14="http://schemas.microsoft.com/office/drawing/2010/main">
                               <a:effectLst>
                                 <a:outerShdw dist="35921" dir="2700000" algn="ctr" rotWithShape="0">
                                   <a:srgbClr val="808080"/>
@@ -10718,7 +10702,7 @@
                 </a:ln>
                 <a:extLst>
                   <a:ext uri="{909E8E84-426E-40dd-AFC4-6F175D3DCCD1}">
-                    <a14:hiddenFill xmlns:a14="http://schemas.microsoft.com/office/drawing/2010/main" xmlns="">
+                    <a14:hiddenFill xmlns="" xmlns:a14="http://schemas.microsoft.com/office/drawing/2010/main">
                       <a:noFill/>
                     </a14:hiddenFill>
                   </a:ext>
@@ -10765,7 +10749,7 @@
                 </a:ln>
                 <a:extLst>
                   <a:ext uri="{909E8E84-426E-40dd-AFC4-6F175D3DCCD1}">
-                    <a14:hiddenFill xmlns:a14="http://schemas.microsoft.com/office/drawing/2010/main" xmlns="">
+                    <a14:hiddenFill xmlns="" xmlns:a14="http://schemas.microsoft.com/office/drawing/2010/main">
                       <a:noFill/>
                     </a14:hiddenFill>
                   </a:ext>
@@ -10812,7 +10796,7 @@
                 </a:ln>
                 <a:extLst>
                   <a:ext uri="{909E8E84-426E-40dd-AFC4-6F175D3DCCD1}">
-                    <a14:hiddenFill xmlns:a14="http://schemas.microsoft.com/office/drawing/2010/main" xmlns="">
+                    <a14:hiddenFill xmlns="" xmlns:a14="http://schemas.microsoft.com/office/drawing/2010/main">
                       <a:noFill/>
                     </a14:hiddenFill>
                   </a:ext>
@@ -10855,14 +10839,14 @@
               </a:ln>
               <a:extLst>
                 <a:ext uri="{909E8E84-426E-40dd-AFC4-6F175D3DCCD1}">
-                  <a14:hiddenFill xmlns:a14="http://schemas.microsoft.com/office/drawing/2010/main" xmlns="">
+                  <a14:hiddenFill xmlns="" xmlns:a14="http://schemas.microsoft.com/office/drawing/2010/main">
                     <a:solidFill>
                       <a:srgbClr val="FFFFFF"/>
                     </a:solidFill>
                   </a14:hiddenFill>
                 </a:ext>
                 <a:ext uri="{91240B29-F687-4f45-9708-019B960494DF}">
-                  <a14:hiddenLine xmlns:a14="http://schemas.microsoft.com/office/drawing/2010/main" xmlns="" w="9525">
+                  <a14:hiddenLine xmlns="" xmlns:a14="http://schemas.microsoft.com/office/drawing/2010/main" w="9525">
                     <a:solidFill>
                       <a:srgbClr val="000000"/>
                     </a:solidFill>
@@ -11032,14 +11016,14 @@
               </a:ln>
               <a:extLst>
                 <a:ext uri="{909E8E84-426E-40dd-AFC4-6F175D3DCCD1}">
-                  <a14:hiddenFill xmlns:a14="http://schemas.microsoft.com/office/drawing/2010/main" xmlns="">
+                  <a14:hiddenFill xmlns="" xmlns:a14="http://schemas.microsoft.com/office/drawing/2010/main">
                     <a:solidFill>
                       <a:srgbClr val="FFFFFF"/>
                     </a:solidFill>
                   </a14:hiddenFill>
                 </a:ext>
                 <a:ext uri="{91240B29-F687-4f45-9708-019B960494DF}">
-                  <a14:hiddenLine xmlns:a14="http://schemas.microsoft.com/office/drawing/2010/main" xmlns="" w="9525">
+                  <a14:hiddenLine xmlns="" xmlns:a14="http://schemas.microsoft.com/office/drawing/2010/main" w="9525">
                     <a:solidFill>
                       <a:srgbClr val="000000"/>
                     </a:solidFill>
@@ -11209,14 +11193,14 @@
               </a:ln>
               <a:extLst>
                 <a:ext uri="{909E8E84-426E-40dd-AFC4-6F175D3DCCD1}">
-                  <a14:hiddenFill xmlns:a14="http://schemas.microsoft.com/office/drawing/2010/main" xmlns="">
+                  <a14:hiddenFill xmlns="" xmlns:a14="http://schemas.microsoft.com/office/drawing/2010/main">
                     <a:solidFill>
                       <a:srgbClr val="FFFFFF"/>
                     </a:solidFill>
                   </a14:hiddenFill>
                 </a:ext>
                 <a:ext uri="{91240B29-F687-4f45-9708-019B960494DF}">
-                  <a14:hiddenLine xmlns:a14="http://schemas.microsoft.com/office/drawing/2010/main" xmlns="" w="9525">
+                  <a14:hiddenLine xmlns="" xmlns:a14="http://schemas.microsoft.com/office/drawing/2010/main" w="9525">
                     <a:solidFill>
                       <a:srgbClr val="000000"/>
                     </a:solidFill>
@@ -11415,7 +11399,7 @@
             </a:ln>
             <a:extLst>
               <a:ext uri="{909E8E84-426E-40dd-AFC4-6F175D3DCCD1}">
-                <a14:hiddenFill xmlns:a14="http://schemas.microsoft.com/office/drawing/2010/main" xmlns="">
+                <a14:hiddenFill xmlns="" xmlns:a14="http://schemas.microsoft.com/office/drawing/2010/main">
                   <a:noFill/>
                 </a14:hiddenFill>
               </a:ext>
@@ -11869,7 +11853,7 @@
             </a:ln>
             <a:extLst>
               <a:ext uri="{909E8E84-426E-40dd-AFC4-6F175D3DCCD1}">
-                <a14:hiddenFill xmlns:a14="http://schemas.microsoft.com/office/drawing/2010/main" xmlns="">
+                <a14:hiddenFill xmlns="" xmlns:a14="http://schemas.microsoft.com/office/drawing/2010/main">
                   <a:noFill/>
                 </a14:hiddenFill>
               </a:ext>
@@ -11916,7 +11900,7 @@
             </a:ln>
             <a:extLst>
               <a:ext uri="{909E8E84-426E-40dd-AFC4-6F175D3DCCD1}">
-                <a14:hiddenFill xmlns:a14="http://schemas.microsoft.com/office/drawing/2010/main" xmlns="">
+                <a14:hiddenFill xmlns="" xmlns:a14="http://schemas.microsoft.com/office/drawing/2010/main">
                   <a:noFill/>
                 </a14:hiddenFill>
               </a:ext>
@@ -12472,7 +12456,7 @@
                 </a:ln>
                 <a:extLst>
                   <a:ext uri="{909E8E84-426E-40dd-AFC4-6F175D3DCCD1}">
-                    <a14:hiddenFill xmlns:a14="http://schemas.microsoft.com/office/drawing/2010/main" xmlns="">
+                    <a14:hiddenFill xmlns="" xmlns:a14="http://schemas.microsoft.com/office/drawing/2010/main">
                       <a:noFill/>
                     </a14:hiddenFill>
                   </a:ext>
@@ -12515,14 +12499,14 @@
               </a:ln>
               <a:extLst>
                 <a:ext uri="{909E8E84-426E-40dd-AFC4-6F175D3DCCD1}">
-                  <a14:hiddenFill xmlns:a14="http://schemas.microsoft.com/office/drawing/2010/main" xmlns="">
+                  <a14:hiddenFill xmlns="" xmlns:a14="http://schemas.microsoft.com/office/drawing/2010/main">
                     <a:solidFill>
                       <a:srgbClr val="FFFFFF"/>
                     </a:solidFill>
                   </a14:hiddenFill>
                 </a:ext>
                 <a:ext uri="{91240B29-F687-4f45-9708-019B960494DF}">
-                  <a14:hiddenLine xmlns:a14="http://schemas.microsoft.com/office/drawing/2010/main" xmlns="" w="9525">
+                  <a14:hiddenLine xmlns="" xmlns:a14="http://schemas.microsoft.com/office/drawing/2010/main" w="9525">
                     <a:solidFill>
                       <a:srgbClr val="000000"/>
                     </a:solidFill>
@@ -13372,7 +13356,7 @@
           <a:p>
             <a:r>
               <a:rPr lang="en-US" noProof="0" smtClean="0"/>
-              <a:t>OASYS-Photon transport | HERCULES2023</a:t>
+              <a:t>OASYS-Photon transport | HERCULES2024</a:t>
             </a:r>
             <a:endParaRPr lang="en-US" noProof="0" dirty="0"/>
           </a:p>
@@ -14632,7 +14616,7 @@
           <a:p>
             <a:r>
               <a:rPr lang="en-US" noProof="0" smtClean="0"/>
-              <a:t>OASYS-Photon transport | HERCULES2023</a:t>
+              <a:t>OASYS-Photon transport | HERCULES2024</a:t>
             </a:r>
             <a:endParaRPr lang="en-US" noProof="0"/>
           </a:p>
@@ -17513,7 +17497,7 @@
           <a:p>
             <a:r>
               <a:rPr lang="en-US" noProof="0" smtClean="0"/>
-              <a:t>OASYS-Photon transport | HERCULES2023</a:t>
+              <a:t>OASYS-Photon transport | HERCULES2024</a:t>
             </a:r>
             <a:endParaRPr lang="en-US" noProof="0"/>
           </a:p>
@@ -17849,7 +17833,7 @@
           <a:p>
             <a:r>
               <a:rPr lang="en-US" noProof="0" smtClean="0"/>
-              <a:t>OASYS-Photon transport | HERCULES2023</a:t>
+              <a:t>OASYS-Photon transport | HERCULES2024</a:t>
             </a:r>
             <a:endParaRPr lang="en-US" noProof="0"/>
           </a:p>
@@ -18739,7 +18723,7 @@
           <a:p>
             <a:r>
               <a:rPr lang="en-US" noProof="0" smtClean="0"/>
-              <a:t>OASYS-Photon transport | HERCULES2023</a:t>
+              <a:t>OASYS-Photon transport | HERCULES2024</a:t>
             </a:r>
             <a:endParaRPr lang="en-US" noProof="0"/>
           </a:p>
